--- a/slides/01_intro_discussion.pptx
+++ b/slides/01_intro_discussion.pptx
@@ -8388,6 +8388,58 @@
       </p:sp>
       <p:sp>
         <p:nvSpPr>
+          <p:cNvPr id="4" name="Speech Bubble: Rectangle 3">
+            <a:extLst>
+              <a:ext uri="{FF2B5EF4-FFF2-40B4-BE49-F238E27FC236}">
+                <a16:creationId xmlns:a16="http://schemas.microsoft.com/office/drawing/2014/main" id="{829D6A05-B150-DE0B-CC63-129814733069}"/>
+              </a:ext>
+            </a:extLst>
+          </p:cNvPr>
+          <p:cNvSpPr/>
+          <p:nvPr/>
+        </p:nvSpPr>
+        <p:spPr>
+          <a:xfrm>
+            <a:off x="6324600" y="1342168"/>
+            <a:ext cx="914400" cy="319091"/>
+          </a:xfrm>
+          <a:prstGeom prst="wedgeRectCallout">
+            <a:avLst>
+              <a:gd name="adj1" fmla="val -202412"/>
+              <a:gd name="adj2" fmla="val 210700"/>
+            </a:avLst>
+          </a:prstGeom>
+        </p:spPr>
+        <p:style>
+          <a:lnRef idx="2">
+            <a:schemeClr val="accent4">
+              <a:shade val="15000"/>
+            </a:schemeClr>
+          </a:lnRef>
+          <a:fillRef idx="1">
+            <a:schemeClr val="accent4"/>
+          </a:fillRef>
+          <a:effectRef idx="0">
+            <a:schemeClr val="accent4"/>
+          </a:effectRef>
+          <a:fontRef idx="minor">
+            <a:schemeClr val="lt1"/>
+          </a:fontRef>
+        </p:style>
+        <p:txBody>
+          <a:bodyPr rtlCol="0" anchor="ctr"/>
+          <a:lstStyle/>
+          <a:p>
+            <a:pPr algn="ctr"/>
+            <a:r>
+              <a:rPr lang="en-US" dirty="0"/>
+              <a:t>AGI?</a:t>
+            </a:r>
+          </a:p>
+        </p:txBody>
+      </p:sp>
+      <p:sp>
+        <p:nvSpPr>
           <p:cNvPr id="3" name="Content Placeholder 2">
             <a:extLst>
               <a:ext uri="{FF2B5EF4-FFF2-40B4-BE49-F238E27FC236}">
@@ -8405,7 +8457,7 @@
         <p:spPr/>
         <p:txBody>
           <a:bodyPr>
-            <a:normAutofit/>
+            <a:normAutofit fontScale="92500"/>
           </a:bodyPr>
           <a:lstStyle/>
           <a:p>
@@ -8414,7 +8466,58 @@
             </a:pPr>
             <a:r>
               <a:rPr lang="en-US" dirty="0"/>
-              <a:t>A large language model (LLM) is a computational model notable for its ability to achieve general-purpose language generation and other natural language processing tasks such as classification … LLMs acquire these abilities by learning statistical relationships from vast amounts of text during a computationally intensive self-supervised and semi-supervised training process. LLMs can be used for text generation, a form of generative AI, by taking an input text and repeatedly predicting the next token or word.</a:t>
+              <a:t>“A large language model (LLM) is a computational model notable for its ability to achieve </a:t>
+            </a:r>
+            <a:r>
+              <a:rPr lang="en-US" b="1" dirty="0"/>
+              <a:t>general-purpose language generation </a:t>
+            </a:r>
+            <a:r>
+              <a:rPr lang="en-US" dirty="0"/>
+              <a:t>and other natural language processing tasks such as classification </a:t>
+            </a:r>
+          </a:p>
+          <a:p>
+            <a:pPr marL="0" indent="0">
+              <a:buNone/>
+            </a:pPr>
+            <a:r>
+              <a:rPr lang="en-US" dirty="0"/>
+              <a:t>… </a:t>
+            </a:r>
+          </a:p>
+          <a:p>
+            <a:pPr marL="0" indent="0">
+              <a:buNone/>
+            </a:pPr>
+            <a:r>
+              <a:rPr lang="en-US" dirty="0"/>
+              <a:t>LLMs acquire these abilities </a:t>
+            </a:r>
+            <a:r>
+              <a:rPr lang="en-US" b="1" dirty="0"/>
+              <a:t>by learning statistical relationships </a:t>
+            </a:r>
+            <a:r>
+              <a:rPr lang="en-US" dirty="0"/>
+              <a:t>from vast amounts of text during a computationally intensive self-supervised and semi-supervised training process. </a:t>
+            </a:r>
+          </a:p>
+          <a:p>
+            <a:pPr marL="0" indent="0">
+              <a:buNone/>
+            </a:pPr>
+            <a:r>
+              <a:rPr lang="en-US" dirty="0"/>
+              <a:t>LLMs can be used for text generation, a form of generative AI, by taking an input text and </a:t>
+            </a:r>
+            <a:r>
+              <a:rPr lang="en-US" b="1" dirty="0"/>
+              <a:t>repeatedly predicting the next token or word</a:t>
+            </a:r>
+            <a:r>
+              <a:rPr lang="en-US" dirty="0"/>
+              <a:t>.”</a:t>
             </a:r>
           </a:p>
           <a:p>
@@ -8465,6 +8568,110 @@
               <a:buNone/>
             </a:pPr>
             <a:endParaRPr lang="en-US" dirty="0"/>
+          </a:p>
+        </p:txBody>
+      </p:sp>
+      <p:sp>
+        <p:nvSpPr>
+          <p:cNvPr id="5" name="Speech Bubble: Rectangle 4">
+            <a:extLst>
+              <a:ext uri="{FF2B5EF4-FFF2-40B4-BE49-F238E27FC236}">
+                <a16:creationId xmlns:a16="http://schemas.microsoft.com/office/drawing/2014/main" id="{BC631EA2-7BEE-3EE3-2569-B766CA0242D9}"/>
+              </a:ext>
+            </a:extLst>
+          </p:cNvPr>
+          <p:cNvSpPr/>
+          <p:nvPr/>
+        </p:nvSpPr>
+        <p:spPr>
+          <a:xfrm>
+            <a:off x="6248400" y="2537617"/>
+            <a:ext cx="914400" cy="319091"/>
+          </a:xfrm>
+          <a:prstGeom prst="wedgeRectCallout">
+            <a:avLst>
+              <a:gd name="adj1" fmla="val -85745"/>
+              <a:gd name="adj2" fmla="val 155398"/>
+            </a:avLst>
+          </a:prstGeom>
+        </p:spPr>
+        <p:style>
+          <a:lnRef idx="2">
+            <a:schemeClr val="accent4">
+              <a:shade val="15000"/>
+            </a:schemeClr>
+          </a:lnRef>
+          <a:fillRef idx="1">
+            <a:schemeClr val="accent4"/>
+          </a:fillRef>
+          <a:effectRef idx="0">
+            <a:schemeClr val="accent4"/>
+          </a:effectRef>
+          <a:fontRef idx="minor">
+            <a:schemeClr val="lt1"/>
+          </a:fontRef>
+        </p:style>
+        <p:txBody>
+          <a:bodyPr rtlCol="0" anchor="ctr"/>
+          <a:lstStyle/>
+          <a:p>
+            <a:pPr algn="ctr"/>
+            <a:r>
+              <a:rPr lang="en-US" dirty="0"/>
+              <a:t>How?</a:t>
+            </a:r>
+          </a:p>
+        </p:txBody>
+      </p:sp>
+      <p:sp>
+        <p:nvSpPr>
+          <p:cNvPr id="6" name="Speech Bubble: Rectangle 5">
+            <a:extLst>
+              <a:ext uri="{FF2B5EF4-FFF2-40B4-BE49-F238E27FC236}">
+                <a16:creationId xmlns:a16="http://schemas.microsoft.com/office/drawing/2014/main" id="{4693C055-911F-F198-C2F0-8C0D6FF45F40}"/>
+              </a:ext>
+            </a:extLst>
+          </p:cNvPr>
+          <p:cNvSpPr/>
+          <p:nvPr/>
+        </p:nvSpPr>
+        <p:spPr>
+          <a:xfrm>
+            <a:off x="6400800" y="4648200"/>
+            <a:ext cx="1676400" cy="609600"/>
+          </a:xfrm>
+          <a:prstGeom prst="wedgeRectCallout">
+            <a:avLst>
+              <a:gd name="adj1" fmla="val -83991"/>
+              <a:gd name="adj2" fmla="val -73350"/>
+            </a:avLst>
+          </a:prstGeom>
+        </p:spPr>
+        <p:style>
+          <a:lnRef idx="2">
+            <a:schemeClr val="accent4">
+              <a:shade val="15000"/>
+            </a:schemeClr>
+          </a:lnRef>
+          <a:fillRef idx="1">
+            <a:schemeClr val="accent4"/>
+          </a:fillRef>
+          <a:effectRef idx="0">
+            <a:schemeClr val="accent4"/>
+          </a:effectRef>
+          <a:fontRef idx="minor">
+            <a:schemeClr val="lt1"/>
+          </a:fontRef>
+        </p:style>
+        <p:txBody>
+          <a:bodyPr rtlCol="0" anchor="ctr"/>
+          <a:lstStyle/>
+          <a:p>
+            <a:pPr algn="ctr"/>
+            <a:r>
+              <a:rPr lang="en-US" dirty="0"/>
+              <a:t>Is this intelligent?</a:t>
+            </a:r>
           </a:p>
         </p:txBody>
       </p:sp>
@@ -8605,6 +8812,58 @@
             <a:r>
               <a:rPr lang="en-US" sz="2400" b="1" dirty="0"/>
               <a:t>Do LLMs act rationally?</a:t>
+            </a:r>
+          </a:p>
+        </p:txBody>
+      </p:sp>
+      <p:sp>
+        <p:nvSpPr>
+          <p:cNvPr id="2" name="Speech Bubble: Rectangle 1">
+            <a:extLst>
+              <a:ext uri="{FF2B5EF4-FFF2-40B4-BE49-F238E27FC236}">
+                <a16:creationId xmlns:a16="http://schemas.microsoft.com/office/drawing/2014/main" id="{16A36CA4-274B-2344-F957-7F9665850A24}"/>
+              </a:ext>
+            </a:extLst>
+          </p:cNvPr>
+          <p:cNvSpPr/>
+          <p:nvPr/>
+        </p:nvSpPr>
+        <p:spPr>
+          <a:xfrm>
+            <a:off x="5867400" y="5715000"/>
+            <a:ext cx="2743200" cy="609600"/>
+          </a:xfrm>
+          <a:prstGeom prst="wedgeRectCallout">
+            <a:avLst>
+              <a:gd name="adj1" fmla="val -58552"/>
+              <a:gd name="adj2" fmla="val -182382"/>
+            </a:avLst>
+          </a:prstGeom>
+        </p:spPr>
+        <p:style>
+          <a:lnRef idx="2">
+            <a:schemeClr val="accent4">
+              <a:shade val="15000"/>
+            </a:schemeClr>
+          </a:lnRef>
+          <a:fillRef idx="1">
+            <a:schemeClr val="accent4"/>
+          </a:fillRef>
+          <a:effectRef idx="0">
+            <a:schemeClr val="accent4"/>
+          </a:effectRef>
+          <a:fontRef idx="minor">
+            <a:schemeClr val="lt1"/>
+          </a:fontRef>
+        </p:style>
+        <p:txBody>
+          <a:bodyPr rtlCol="0" anchor="ctr"/>
+          <a:lstStyle/>
+          <a:p>
+            <a:pPr algn="ctr"/>
+            <a:r>
+              <a:rPr lang="en-US" dirty="0"/>
+              <a:t>Ask a chatbot if it is rational</a:t>
             </a:r>
           </a:p>
         </p:txBody>
@@ -12386,23 +12645,6 @@
 </file>
 
 <file path=customXml/item1.xml><?xml version="1.0" encoding="utf-8"?>
-<p:properties xmlns:p="http://schemas.microsoft.com/office/2006/metadata/properties" xmlns:xsi="http://www.w3.org/2001/XMLSchema-instance" xmlns:pc="http://schemas.microsoft.com/office/infopath/2007/PartnerControls">
-  <documentManagement>
-    <_activity xmlns="49eab711-90d1-4c0f-9775-bfb7f5e5a799" xsi:nil="true"/>
-  </documentManagement>
-</p:properties>
-</file>
-
-<file path=customXml/item2.xml><?xml version="1.0" encoding="utf-8"?>
-<?mso-contentType ?>
-<FormTemplates xmlns="http://schemas.microsoft.com/sharepoint/v3/contenttype/forms">
-  <Display>DocumentLibraryForm</Display>
-  <Edit>DocumentLibraryForm</Edit>
-  <New>DocumentLibraryForm</New>
-</FormTemplates>
-</file>
-
-<file path=customXml/item3.xml><?xml version="1.0" encoding="utf-8"?>
 <ct:contentTypeSchema xmlns:ct="http://schemas.microsoft.com/office/2006/metadata/contentType" xmlns:ma="http://schemas.microsoft.com/office/2006/metadata/properties/metaAttributes" ct:_="" ma:_="" ma:contentTypeName="Document" ma:contentTypeID="0x010100E62C0C88D39C234FAEC96AAE0F671565" ma:contentTypeVersion="13" ma:contentTypeDescription="Create a new document." ma:contentTypeScope="" ma:versionID="910a4736c6ae9b0a74b637f589bed834">
   <xsd:schema xmlns:xsd="http://www.w3.org/2001/XMLSchema" xmlns:xs="http://www.w3.org/2001/XMLSchema" xmlns:p="http://schemas.microsoft.com/office/2006/metadata/properties" xmlns:ns3="49eab711-90d1-4c0f-9775-bfb7f5e5a799" xmlns:ns4="609867d6-2629-4535-86dd-ac3b97a3ffd8" targetNamespace="http://schemas.microsoft.com/office/2006/metadata/properties" ma:root="true" ma:fieldsID="56512280202f27bcbcd60b874abf9df2" ns3:_="" ns4:_="">
     <xsd:import namespace="49eab711-90d1-4c0f-9775-bfb7f5e5a799"/>
@@ -12621,7 +12863,43 @@
 </ct:contentTypeSchema>
 </file>
 
+<file path=customXml/item2.xml><?xml version="1.0" encoding="utf-8"?>
+<p:properties xmlns:p="http://schemas.microsoft.com/office/2006/metadata/properties" xmlns:xsi="http://www.w3.org/2001/XMLSchema-instance" xmlns:pc="http://schemas.microsoft.com/office/infopath/2007/PartnerControls">
+  <documentManagement>
+    <_activity xmlns="49eab711-90d1-4c0f-9775-bfb7f5e5a799" xsi:nil="true"/>
+  </documentManagement>
+</p:properties>
+</file>
+
+<file path=customXml/item3.xml><?xml version="1.0" encoding="utf-8"?>
+<?mso-contentType ?>
+<FormTemplates xmlns="http://schemas.microsoft.com/sharepoint/v3/contenttype/forms">
+  <Display>DocumentLibraryForm</Display>
+  <Edit>DocumentLibraryForm</Edit>
+  <New>DocumentLibraryForm</New>
+</FormTemplates>
+</file>
+
 <file path=customXml/itemProps1.xml><?xml version="1.0" encoding="utf-8"?>
+<ds:datastoreItem xmlns:ds="http://schemas.openxmlformats.org/officeDocument/2006/customXml" ds:itemID="{960EBFF6-BEC2-42C5-9895-72BE68ED8B9F}">
+  <ds:schemaRefs>
+    <ds:schemaRef ds:uri="http://schemas.microsoft.com/office/2006/metadata/contentType"/>
+    <ds:schemaRef ds:uri="http://schemas.microsoft.com/office/2006/metadata/properties/metaAttributes"/>
+    <ds:schemaRef ds:uri="http://www.w3.org/2001/XMLSchema"/>
+    <ds:schemaRef ds:uri="http://schemas.microsoft.com/office/2006/metadata/properties"/>
+    <ds:schemaRef ds:uri="49eab711-90d1-4c0f-9775-bfb7f5e5a799"/>
+    <ds:schemaRef ds:uri="609867d6-2629-4535-86dd-ac3b97a3ffd8"/>
+    <ds:schemaRef ds:uri="http://schemas.microsoft.com/office/2006/documentManagement/types"/>
+    <ds:schemaRef ds:uri="http://schemas.microsoft.com/office/infopath/2007/PartnerControls"/>
+    <ds:schemaRef ds:uri="http://schemas.openxmlformats.org/package/2006/metadata/core-properties"/>
+    <ds:schemaRef ds:uri="http://purl.org/dc/elements/1.1/"/>
+    <ds:schemaRef ds:uri="http://purl.org/dc/terms/"/>
+    <ds:schemaRef ds:uri="http://schemas.microsoft.com/internal/obd"/>
+  </ds:schemaRefs>
+</ds:datastoreItem>
+</file>
+
+<file path=customXml/itemProps2.xml><?xml version="1.0" encoding="utf-8"?>
 <ds:datastoreItem xmlns:ds="http://schemas.openxmlformats.org/officeDocument/2006/customXml" ds:itemID="{4549F902-3FEA-4340-AB71-BA3CC3945F6B}">
   <ds:schemaRefs>
     <ds:schemaRef ds:uri="http://purl.org/dc/dcmitype/"/>
@@ -12638,29 +12916,10 @@
 </ds:datastoreItem>
 </file>
 
-<file path=customXml/itemProps2.xml><?xml version="1.0" encoding="utf-8"?>
+<file path=customXml/itemProps3.xml><?xml version="1.0" encoding="utf-8"?>
 <ds:datastoreItem xmlns:ds="http://schemas.openxmlformats.org/officeDocument/2006/customXml" ds:itemID="{2BBCFA1F-F3A2-4180-962A-F86B4F5DD5C9}">
   <ds:schemaRefs>
     <ds:schemaRef ds:uri="http://schemas.microsoft.com/sharepoint/v3/contenttype/forms"/>
   </ds:schemaRefs>
 </ds:datastoreItem>
-</file>
-
-<file path=customXml/itemProps3.xml><?xml version="1.0" encoding="utf-8"?>
-<ds:datastoreItem xmlns:ds="http://schemas.openxmlformats.org/officeDocument/2006/customXml" ds:itemID="{960EBFF6-BEC2-42C5-9895-72BE68ED8B9F}">
-  <ds:schemaRefs>
-    <ds:schemaRef ds:uri="http://schemas.microsoft.com/office/2006/metadata/contentType"/>
-    <ds:schemaRef ds:uri="http://schemas.microsoft.com/office/2006/metadata/properties/metaAttributes"/>
-    <ds:schemaRef ds:uri="http://www.w3.org/2001/XMLSchema"/>
-    <ds:schemaRef ds:uri="http://schemas.microsoft.com/office/2006/metadata/properties"/>
-    <ds:schemaRef ds:uri="49eab711-90d1-4c0f-9775-bfb7f5e5a799"/>
-    <ds:schemaRef ds:uri="609867d6-2629-4535-86dd-ac3b97a3ffd8"/>
-    <ds:schemaRef ds:uri="http://schemas.microsoft.com/office/2006/documentManagement/types"/>
-    <ds:schemaRef ds:uri="http://schemas.microsoft.com/office/infopath/2007/PartnerControls"/>
-    <ds:schemaRef ds:uri="http://schemas.openxmlformats.org/package/2006/metadata/core-properties"/>
-    <ds:schemaRef ds:uri="http://purl.org/dc/elements/1.1/"/>
-    <ds:schemaRef ds:uri="http://purl.org/dc/terms/"/>
-    <ds:schemaRef ds:uri="http://schemas.microsoft.com/internal/obd"/>
-  </ds:schemaRefs>
-</ds:datastoreItem>
 </file>
--- a/slides/01_intro_discussion.pptx
+++ b/slides/01_intro_discussion.pptx
@@ -8830,13 +8830,13 @@
         </p:nvSpPr>
         <p:spPr>
           <a:xfrm>
-            <a:off x="5867400" y="5715000"/>
-            <a:ext cx="2743200" cy="609600"/>
+            <a:off x="5867400" y="5257800"/>
+            <a:ext cx="2743200" cy="1066800"/>
           </a:xfrm>
           <a:prstGeom prst="wedgeRectCallout">
             <a:avLst>
-              <a:gd name="adj1" fmla="val -58552"/>
-              <a:gd name="adj2" fmla="val -182382"/>
+              <a:gd name="adj1" fmla="val -58102"/>
+              <a:gd name="adj2" fmla="val -88560"/>
             </a:avLst>
           </a:prstGeom>
         </p:spPr>
@@ -8860,10 +8860,29 @@
           <a:bodyPr rtlCol="0" anchor="ctr"/>
           <a:lstStyle/>
           <a:p>
-            <a:pPr algn="ctr"/>
             <a:r>
               <a:rPr lang="en-US" dirty="0"/>
-              <a:t>Ask a chatbot if it is rational</a:t>
+              <a:t>Ask a chatbot if it</a:t>
+            </a:r>
+          </a:p>
+          <a:p>
+            <a:pPr marL="285750" indent="-285750">
+              <a:buFont typeface="Arial" panose="020B0604020202020204" pitchFamily="34" charset="0"/>
+              <a:buChar char="•"/>
+            </a:pPr>
+            <a:r>
+              <a:rPr lang="en-US" dirty="0"/>
+              <a:t>acts rational</a:t>
+            </a:r>
+          </a:p>
+          <a:p>
+            <a:pPr marL="285750" indent="-285750">
+              <a:buFont typeface="Arial" panose="020B0604020202020204" pitchFamily="34" charset="0"/>
+              <a:buChar char="•"/>
+            </a:pPr>
+            <a:r>
+              <a:rPr lang="en-US" dirty="0"/>
+              <a:t>Is an intelligent agent</a:t>
             </a:r>
           </a:p>
         </p:txBody>
@@ -10087,10 +10106,10 @@
         </p:nvGrpSpPr>
         <p:grpSpPr>
           <a:xfrm>
-            <a:off x="3876178" y="1492922"/>
-            <a:ext cx="5001887" cy="4440505"/>
-            <a:chOff x="473549" y="3860247"/>
-            <a:chExt cx="3540339" cy="2512918"/>
+            <a:off x="3876178" y="1442897"/>
+            <a:ext cx="5001887" cy="4490531"/>
+            <a:chOff x="473549" y="3831937"/>
+            <a:chExt cx="3540339" cy="2541228"/>
           </a:xfrm>
         </p:grpSpPr>
         <p:grpSp>
@@ -10107,10 +10126,10 @@
           </p:nvGrpSpPr>
           <p:grpSpPr>
             <a:xfrm>
-              <a:off x="586421" y="3886200"/>
-              <a:ext cx="3235530" cy="2486965"/>
-              <a:chOff x="1161391" y="615149"/>
-              <a:chExt cx="7282448" cy="5966843"/>
+              <a:off x="586421" y="3831937"/>
+              <a:ext cx="3235530" cy="2541228"/>
+              <a:chOff x="1161391" y="484958"/>
+              <a:chExt cx="7282448" cy="6097034"/>
             </a:xfrm>
           </p:grpSpPr>
           <p:sp>
@@ -10700,8 +10719,8 @@
             </p:nvSpPr>
             <p:spPr>
               <a:xfrm>
-                <a:off x="1600096" y="990600"/>
-                <a:ext cx="1676397" cy="1478224"/>
+                <a:off x="1205917" y="484958"/>
+                <a:ext cx="2642358" cy="1243906"/>
               </a:xfrm>
               <a:prstGeom prst="verticalScroll">
                 <a:avLst/>
@@ -10732,7 +10751,7 @@
                       <a:schemeClr val="bg1"/>
                     </a:solidFill>
                   </a:rPr>
-                  <a:t>Rules</a:t>
+                  <a:t>Max. probability of next Word</a:t>
                 </a:r>
               </a:p>
             </p:txBody>
@@ -10890,8 +10909,8 @@
           </p:nvCxnSpPr>
           <p:spPr>
             <a:xfrm flipV="1">
-              <a:off x="830152" y="4777806"/>
-              <a:ext cx="158696" cy="840753"/>
+              <a:off x="830152" y="4372056"/>
+              <a:ext cx="282424" cy="1246503"/>
             </a:xfrm>
             <a:prstGeom prst="line">
               <a:avLst/>
@@ -10927,14 +10946,15 @@
             </p:cNvPr>
             <p:cNvCxnSpPr>
               <a:cxnSpLocks/>
+              <a:stCxn id="19" idx="3"/>
               <a:endCxn id="11" idx="0"/>
             </p:cNvCxnSpPr>
             <p:nvPr/>
           </p:nvCxnSpPr>
           <p:spPr>
             <a:xfrm flipV="1">
-              <a:off x="1564069" y="4042687"/>
-              <a:ext cx="1435706" cy="42393"/>
+              <a:off x="1699124" y="4042687"/>
+              <a:ext cx="1300650" cy="48478"/>
             </a:xfrm>
             <a:prstGeom prst="line">
               <a:avLst/>
@@ -12645,6 +12665,14 @@
 </file>
 
 <file path=customXml/item1.xml><?xml version="1.0" encoding="utf-8"?>
+<p:properties xmlns:p="http://schemas.microsoft.com/office/2006/metadata/properties" xmlns:xsi="http://www.w3.org/2001/XMLSchema-instance" xmlns:pc="http://schemas.microsoft.com/office/infopath/2007/PartnerControls">
+  <documentManagement>
+    <_activity xmlns="49eab711-90d1-4c0f-9775-bfb7f5e5a799" xsi:nil="true"/>
+  </documentManagement>
+</p:properties>
+</file>
+
+<file path=customXml/item2.xml><?xml version="1.0" encoding="utf-8"?>
 <ct:contentTypeSchema xmlns:ct="http://schemas.microsoft.com/office/2006/metadata/contentType" xmlns:ma="http://schemas.microsoft.com/office/2006/metadata/properties/metaAttributes" ct:_="" ma:_="" ma:contentTypeName="Document" ma:contentTypeID="0x010100E62C0C88D39C234FAEC96AAE0F671565" ma:contentTypeVersion="13" ma:contentTypeDescription="Create a new document." ma:contentTypeScope="" ma:versionID="910a4736c6ae9b0a74b637f589bed834">
   <xsd:schema xmlns:xsd="http://www.w3.org/2001/XMLSchema" xmlns:xs="http://www.w3.org/2001/XMLSchema" xmlns:p="http://schemas.microsoft.com/office/2006/metadata/properties" xmlns:ns3="49eab711-90d1-4c0f-9775-bfb7f5e5a799" xmlns:ns4="609867d6-2629-4535-86dd-ac3b97a3ffd8" targetNamespace="http://schemas.microsoft.com/office/2006/metadata/properties" ma:root="true" ma:fieldsID="56512280202f27bcbcd60b874abf9df2" ns3:_="" ns4:_="">
     <xsd:import namespace="49eab711-90d1-4c0f-9775-bfb7f5e5a799"/>
@@ -12863,14 +12891,6 @@
 </ct:contentTypeSchema>
 </file>
 
-<file path=customXml/item2.xml><?xml version="1.0" encoding="utf-8"?>
-<p:properties xmlns:p="http://schemas.microsoft.com/office/2006/metadata/properties" xmlns:xsi="http://www.w3.org/2001/XMLSchema-instance" xmlns:pc="http://schemas.microsoft.com/office/infopath/2007/PartnerControls">
-  <documentManagement>
-    <_activity xmlns="49eab711-90d1-4c0f-9775-bfb7f5e5a799" xsi:nil="true"/>
-  </documentManagement>
-</p:properties>
-</file>
-
 <file path=customXml/item3.xml><?xml version="1.0" encoding="utf-8"?>
 <?mso-contentType ?>
 <FormTemplates xmlns="http://schemas.microsoft.com/sharepoint/v3/contenttype/forms">
@@ -12881,6 +12901,23 @@
 </file>
 
 <file path=customXml/itemProps1.xml><?xml version="1.0" encoding="utf-8"?>
+<ds:datastoreItem xmlns:ds="http://schemas.openxmlformats.org/officeDocument/2006/customXml" ds:itemID="{4549F902-3FEA-4340-AB71-BA3CC3945F6B}">
+  <ds:schemaRefs>
+    <ds:schemaRef ds:uri="http://purl.org/dc/dcmitype/"/>
+    <ds:schemaRef ds:uri="http://schemas.microsoft.com/office/2006/documentManagement/types"/>
+    <ds:schemaRef ds:uri="http://schemas.openxmlformats.org/package/2006/metadata/core-properties"/>
+    <ds:schemaRef ds:uri="http://purl.org/dc/elements/1.1/"/>
+    <ds:schemaRef ds:uri="http://www.w3.org/XML/1998/namespace"/>
+    <ds:schemaRef ds:uri="http://schemas.microsoft.com/office/2006/metadata/properties"/>
+    <ds:schemaRef ds:uri="http://purl.org/dc/terms/"/>
+    <ds:schemaRef ds:uri="609867d6-2629-4535-86dd-ac3b97a3ffd8"/>
+    <ds:schemaRef ds:uri="http://schemas.microsoft.com/office/infopath/2007/PartnerControls"/>
+    <ds:schemaRef ds:uri="49eab711-90d1-4c0f-9775-bfb7f5e5a799"/>
+  </ds:schemaRefs>
+</ds:datastoreItem>
+</file>
+
+<file path=customXml/itemProps2.xml><?xml version="1.0" encoding="utf-8"?>
 <ds:datastoreItem xmlns:ds="http://schemas.openxmlformats.org/officeDocument/2006/customXml" ds:itemID="{960EBFF6-BEC2-42C5-9895-72BE68ED8B9F}">
   <ds:schemaRefs>
     <ds:schemaRef ds:uri="http://schemas.microsoft.com/office/2006/metadata/contentType"/>
@@ -12899,23 +12936,6 @@
 </ds:datastoreItem>
 </file>
 
-<file path=customXml/itemProps2.xml><?xml version="1.0" encoding="utf-8"?>
-<ds:datastoreItem xmlns:ds="http://schemas.openxmlformats.org/officeDocument/2006/customXml" ds:itemID="{4549F902-3FEA-4340-AB71-BA3CC3945F6B}">
-  <ds:schemaRefs>
-    <ds:schemaRef ds:uri="http://purl.org/dc/dcmitype/"/>
-    <ds:schemaRef ds:uri="http://schemas.microsoft.com/office/2006/documentManagement/types"/>
-    <ds:schemaRef ds:uri="http://schemas.openxmlformats.org/package/2006/metadata/core-properties"/>
-    <ds:schemaRef ds:uri="http://purl.org/dc/elements/1.1/"/>
-    <ds:schemaRef ds:uri="http://www.w3.org/XML/1998/namespace"/>
-    <ds:schemaRef ds:uri="http://schemas.microsoft.com/office/2006/metadata/properties"/>
-    <ds:schemaRef ds:uri="http://purl.org/dc/terms/"/>
-    <ds:schemaRef ds:uri="609867d6-2629-4535-86dd-ac3b97a3ffd8"/>
-    <ds:schemaRef ds:uri="http://schemas.microsoft.com/office/infopath/2007/PartnerControls"/>
-    <ds:schemaRef ds:uri="49eab711-90d1-4c0f-9775-bfb7f5e5a799"/>
-  </ds:schemaRefs>
-</ds:datastoreItem>
-</file>
-
 <file path=customXml/itemProps3.xml><?xml version="1.0" encoding="utf-8"?>
 <ds:datastoreItem xmlns:ds="http://schemas.openxmlformats.org/officeDocument/2006/customXml" ds:itemID="{2BBCFA1F-F3A2-4180-962A-F86B4F5DD5C9}">
   <ds:schemaRefs>

--- a/slides/01_intro_discussion.pptx
+++ b/slides/01_intro_discussion.pptx
@@ -8000,7 +8000,28 @@
           <a:p>
             <a:pPr defTabSz="914400"/>
             <a:r>
-              <a:rPr lang="en-US" sz="3500" kern="1200">
+              <a:rPr lang="en-US" sz="3500" kern="1200" dirty="0">
+                <a:solidFill>
+                  <a:schemeClr val="tx1"/>
+                </a:solidFill>
+                <a:latin typeface="+mj-lt"/>
+                <a:ea typeface="+mj-ea"/>
+                <a:cs typeface="+mj-cs"/>
+              </a:rPr>
+              <a:t>Example Conversation With a </a:t>
+            </a:r>
+            <a:br>
+              <a:rPr lang="en-US" sz="3500" kern="1200" dirty="0">
+                <a:solidFill>
+                  <a:schemeClr val="tx1"/>
+                </a:solidFill>
+                <a:latin typeface="+mj-lt"/>
+                <a:ea typeface="+mj-ea"/>
+                <a:cs typeface="+mj-cs"/>
+              </a:rPr>
+            </a:br>
+            <a:r>
+              <a:rPr lang="en-US" sz="3500" kern="1200" dirty="0">
                 <a:solidFill>
                   <a:schemeClr val="tx1"/>
                 </a:solidFill>
@@ -8176,7 +8197,7 @@
       </p:sp>
       <p:pic>
         <p:nvPicPr>
-          <p:cNvPr id="5" name="Content Placeholder 4" descr="Graphical user interface, text, application&#10;&#10;Description automatically generated">
+          <p:cNvPr id="5" name="Content Placeholder 4" descr="A conversation with ChatGPT about helping with homwork.">
             <a:extLst>
               <a:ext uri="{FF2B5EF4-FFF2-40B4-BE49-F238E27FC236}">
                 <a16:creationId xmlns:a16="http://schemas.microsoft.com/office/drawing/2014/main" id="{DDE0DF8D-9589-133F-308C-71BE1080A7F2}"/>
@@ -8729,7 +8750,7 @@
       </p:sp>
       <p:graphicFrame>
         <p:nvGraphicFramePr>
-          <p:cNvPr id="6" name="Content Placeholder 5">
+          <p:cNvPr id="6" name="Content Placeholder 5" descr="What do LLMs do?&#10;&#10;think like hmns?&#10;act like humans?&#10;think rationally?&#10;act rationally?&#10;&#10;Do LLMs act rationally?&#10;">
             <a:extLst>
               <a:ext uri="{FF2B5EF4-FFF2-40B4-BE49-F238E27FC236}">
                 <a16:creationId xmlns:a16="http://schemas.microsoft.com/office/drawing/2014/main" id="{866B7DF7-FCCC-4D51-B98D-02AC3932B9FA}"/>
@@ -8743,7 +8764,7 @@
             <p:ph idx="1"/>
             <p:extLst>
               <p:ext uri="{D42A27DB-BD31-4B8C-83A1-F6EECF244321}">
-                <p14:modId xmlns:p14="http://schemas.microsoft.com/office/powerpoint/2010/main" val="1996103470"/>
+                <p14:modId xmlns:p14="http://schemas.microsoft.com/office/powerpoint/2010/main" val="2541829114"/>
               </p:ext>
             </p:extLst>
           </p:nvPr>
@@ -8944,6 +8965,52 @@
           </a:p>
         </p:txBody>
       </p:sp>
+      <p:pic>
+        <p:nvPicPr>
+          <p:cNvPr id="2" name="Picture 4" descr="turing">
+            <a:extLst>
+              <a:ext uri="{FF2B5EF4-FFF2-40B4-BE49-F238E27FC236}">
+                <a16:creationId xmlns:a16="http://schemas.microsoft.com/office/drawing/2014/main" id="{42B16D82-9E77-CD4D-0144-F7B657762520}"/>
+              </a:ext>
+            </a:extLst>
+          </p:cNvPr>
+          <p:cNvPicPr>
+            <a:picLocks noChangeAspect="1" noChangeArrowheads="1"/>
+          </p:cNvPicPr>
+          <p:nvPr/>
+        </p:nvPicPr>
+        <p:blipFill>
+          <a:blip r:embed="rId3" cstate="print">
+            <a:duotone>
+              <a:prstClr val="black"/>
+              <a:srgbClr val="D9C3A5">
+                <a:tint val="50000"/>
+                <a:satMod val="180000"/>
+              </a:srgbClr>
+            </a:duotone>
+          </a:blip>
+          <a:srcRect/>
+          <a:stretch>
+            <a:fillRect/>
+          </a:stretch>
+        </p:blipFill>
+        <p:spPr bwMode="auto">
+          <a:xfrm>
+            <a:off x="712492" y="1543203"/>
+            <a:ext cx="4579176" cy="1587153"/>
+          </a:xfrm>
+          <a:prstGeom prst="rect">
+            <a:avLst/>
+          </a:prstGeom>
+          <a:noFill/>
+          <a:ln w="9525">
+            <a:noFill/>
+            <a:miter lim="800000"/>
+            <a:headEnd/>
+            <a:tailEnd/>
+          </a:ln>
+        </p:spPr>
+      </p:pic>
       <p:sp>
         <p:nvSpPr>
           <p:cNvPr id="8195" name="Rectangle 3"/>
@@ -8959,6 +9026,11 @@
             <a:off x="685800" y="3360697"/>
             <a:ext cx="4505090" cy="2963903"/>
           </a:xfrm>
+          <a:solidFill>
+            <a:schemeClr val="accent6">
+              <a:lumMod val="75000"/>
+            </a:schemeClr>
+          </a:solidFill>
         </p:spPr>
         <p:style>
           <a:lnRef idx="2">
@@ -8978,7 +9050,7 @@
         </p:style>
         <p:txBody>
           <a:bodyPr>
-            <a:normAutofit fontScale="92500" lnSpcReduction="10000"/>
+            <a:normAutofit fontScale="92500"/>
           </a:bodyPr>
           <a:lstStyle/>
           <a:p>
@@ -9030,24 +9102,40 @@
             <a:pPr lvl="1"/>
             <a:r>
               <a:rPr lang="en-US" dirty="0"/>
-              <a:t>See : Open LLM Leaderboard (Hugging Face) </a:t>
+              <a:t>See : </a:t>
             </a:r>
             <a:r>
               <a:rPr lang="en-US" dirty="0">
-                <a:hlinkClick r:id="rId3"/>
+                <a:solidFill>
+                  <a:schemeClr val="bg1"/>
+                </a:solidFill>
+                <a:hlinkClick r:id="rId4">
+                  <a:extLst>
+                    <a:ext uri="{A12FA001-AC4F-418D-AE19-62706E023703}">
+                      <ahyp:hlinkClr xmlns:ahyp="http://schemas.microsoft.com/office/drawing/2018/hyperlinkcolor" val="tx"/>
+                    </a:ext>
+                  </a:extLst>
+                </a:hlinkClick>
               </a:rPr>
-              <a:t>https://huggingface.co/spaces/open-llm-leaderboard/open_llm_leaderboard</a:t>
-            </a:r>
-            <a:endParaRPr lang="en-US" dirty="0"/>
+              <a:t>Open LLM Leaderboard (Hugging Face)</a:t>
+            </a:r>
+            <a:endParaRPr lang="en-US" dirty="0">
+              <a:solidFill>
+                <a:schemeClr val="bg1"/>
+              </a:solidFill>
+            </a:endParaRPr>
           </a:p>
         </p:txBody>
       </p:sp>
       <p:pic>
         <p:nvPicPr>
-          <p:cNvPr id="6146" name="Picture 2" descr="Robots that gain consciousness and become like humans. « Psychological ...">
+          <p:cNvPr id="6146" name="Picture 2">
             <a:extLst>
               <a:ext uri="{FF2B5EF4-FFF2-40B4-BE49-F238E27FC236}">
                 <a16:creationId xmlns:a16="http://schemas.microsoft.com/office/drawing/2014/main" id="{032C3494-7E0D-AE45-B66A-C2D26844F2D7}"/>
+              </a:ext>
+              <a:ext uri="{C183D7F6-B498-43B3-948B-1728B52AA6E4}">
+                <adec:decorative xmlns:adec="http://schemas.microsoft.com/office/drawing/2017/decorative" val="1"/>
               </a:ext>
             </a:extLst>
           </p:cNvPr>
@@ -9057,7 +9145,7 @@
           <p:nvPr/>
         </p:nvPicPr>
         <p:blipFill>
-          <a:blip r:embed="rId4">
+          <a:blip r:embed="rId5">
             <a:extLst>
               <a:ext uri="{28A0092B-C50C-407E-A947-70E740481C1C}">
                 <a14:useLocalDpi xmlns:a14="http://schemas.microsoft.com/office/drawing/2010/main" val="0"/>
@@ -9174,6 +9262,9 @@
             <a:extLst>
               <a:ext uri="{FF2B5EF4-FFF2-40B4-BE49-F238E27FC236}">
                 <a16:creationId xmlns:a16="http://schemas.microsoft.com/office/drawing/2014/main" id="{5694F0D9-0638-DFA0-D73B-BC2AB56271F7}"/>
+              </a:ext>
+              <a:ext uri="{C183D7F6-B498-43B3-948B-1728B52AA6E4}">
+                <adec:decorative xmlns:adec="http://schemas.microsoft.com/office/drawing/2017/decorative" val="1"/>
               </a:ext>
             </a:extLst>
           </p:cNvPr>
@@ -9215,58 +9306,15 @@
           </a:fontRef>
         </p:style>
       </p:cxnSp>
-      <p:pic>
-        <p:nvPicPr>
-          <p:cNvPr id="2" name="Picture 4" descr="turing">
-            <a:extLst>
-              <a:ext uri="{FF2B5EF4-FFF2-40B4-BE49-F238E27FC236}">
-                <a16:creationId xmlns:a16="http://schemas.microsoft.com/office/drawing/2014/main" id="{42B16D82-9E77-CD4D-0144-F7B657762520}"/>
-              </a:ext>
-            </a:extLst>
-          </p:cNvPr>
-          <p:cNvPicPr>
-            <a:picLocks noChangeAspect="1" noChangeArrowheads="1"/>
-          </p:cNvPicPr>
-          <p:nvPr/>
-        </p:nvPicPr>
-        <p:blipFill>
-          <a:blip r:embed="rId5" cstate="print">
-            <a:duotone>
-              <a:prstClr val="black"/>
-              <a:srgbClr val="D9C3A5">
-                <a:tint val="50000"/>
-                <a:satMod val="180000"/>
-              </a:srgbClr>
-            </a:duotone>
-          </a:blip>
-          <a:srcRect/>
-          <a:stretch>
-            <a:fillRect/>
-          </a:stretch>
-        </p:blipFill>
-        <p:spPr bwMode="auto">
-          <a:xfrm>
-            <a:off x="712492" y="1543203"/>
-            <a:ext cx="4579176" cy="1587153"/>
-          </a:xfrm>
-          <a:prstGeom prst="rect">
-            <a:avLst/>
-          </a:prstGeom>
-          <a:noFill/>
-          <a:ln w="9525">
-            <a:noFill/>
-            <a:miter lim="800000"/>
-            <a:headEnd/>
-            <a:tailEnd/>
-          </a:ln>
-        </p:spPr>
-      </p:pic>
       <p:grpSp>
         <p:nvGrpSpPr>
           <p:cNvPr id="3" name="Group 2">
             <a:extLst>
               <a:ext uri="{FF2B5EF4-FFF2-40B4-BE49-F238E27FC236}">
                 <a16:creationId xmlns:a16="http://schemas.microsoft.com/office/drawing/2014/main" id="{65EA4FB3-DAE0-CF6E-77A7-F2AD6A89F071}"/>
+              </a:ext>
+              <a:ext uri="{C183D7F6-B498-43B3-948B-1728B52AA6E4}">
+                <adec:decorative xmlns:adec="http://schemas.microsoft.com/office/drawing/2017/decorative" val="1"/>
               </a:ext>
             </a:extLst>
           </p:cNvPr>
@@ -9744,6 +9792,11 @@
             <a:off x="3724075" y="2438402"/>
             <a:ext cx="4939867" cy="3785419"/>
           </a:xfrm>
+          <a:solidFill>
+            <a:schemeClr val="accent6">
+              <a:lumMod val="75000"/>
+            </a:schemeClr>
+          </a:solidFill>
         </p:spPr>
         <p:style>
           <a:lnRef idx="2">
@@ -9851,10 +9904,13 @@
       </p:sp>
       <p:pic>
         <p:nvPicPr>
-          <p:cNvPr id="1026" name="Picture 2" descr="Congo, the Late Chimpanzee Painter Whose Works Have Sold for ...">
+          <p:cNvPr id="1026" name="Picture 2">
             <a:extLst>
               <a:ext uri="{FF2B5EF4-FFF2-40B4-BE49-F238E27FC236}">
                 <a16:creationId xmlns:a16="http://schemas.microsoft.com/office/drawing/2014/main" id="{A547E43F-7FA1-4385-A80C-22660F717F85}"/>
+              </a:ext>
+              <a:ext uri="{C183D7F6-B498-43B3-948B-1728B52AA6E4}">
+                <adec:decorative xmlns:adec="http://schemas.microsoft.com/office/drawing/2017/decorative" val="1"/>
               </a:ext>
             </a:extLst>
           </p:cNvPr>
@@ -10004,6 +10060,44 @@
       </p:sp>
       <p:sp>
         <p:nvSpPr>
+          <p:cNvPr id="30" name="TextBox 29">
+            <a:extLst>
+              <a:ext uri="{FF2B5EF4-FFF2-40B4-BE49-F238E27FC236}">
+                <a16:creationId xmlns:a16="http://schemas.microsoft.com/office/drawing/2014/main" id="{3BEC4449-0F42-F297-6269-8B9A0C8A2DFA}"/>
+              </a:ext>
+            </a:extLst>
+          </p:cNvPr>
+          <p:cNvSpPr txBox="1"/>
+          <p:nvPr/>
+        </p:nvSpPr>
+        <p:spPr>
+          <a:xfrm>
+            <a:off x="623760" y="1584962"/>
+            <a:ext cx="3519713" cy="646331"/>
+          </a:xfrm>
+          <a:prstGeom prst="rect">
+            <a:avLst/>
+          </a:prstGeom>
+          <a:noFill/>
+        </p:spPr>
+        <p:txBody>
+          <a:bodyPr wrap="square">
+            <a:spAutoFit/>
+          </a:bodyPr>
+          <a:lstStyle/>
+          <a:p>
+            <a:pPr marL="0" indent="0">
+              <a:buNone/>
+            </a:pPr>
+            <a:r>
+              <a:rPr lang="en-US" sz="1800" dirty="0"/>
+              <a:t>“Prevent accidents, misuse, or other harmful consequences of AI.”</a:t>
+            </a:r>
+          </a:p>
+        </p:txBody>
+      </p:sp>
+      <p:sp>
+        <p:nvSpPr>
           <p:cNvPr id="3" name="Content Placeholder 2">
             <a:extLst>
               <a:ext uri="{FF2B5EF4-FFF2-40B4-BE49-F238E27FC236}">
@@ -10026,15 +10120,15 @@
         </p:spPr>
         <p:style>
           <a:lnRef idx="2">
-            <a:schemeClr val="accent6">
+            <a:schemeClr val="accent3">
               <a:shade val="15000"/>
             </a:schemeClr>
           </a:lnRef>
           <a:fillRef idx="1">
-            <a:schemeClr val="accent6"/>
+            <a:schemeClr val="accent3"/>
           </a:fillRef>
           <a:effectRef idx="0">
-            <a:schemeClr val="accent6"/>
+            <a:schemeClr val="accent3"/>
           </a:effectRef>
           <a:fontRef idx="minor">
             <a:schemeClr val="lt1"/>
@@ -10094,10 +10188,13 @@
       </p:sp>
       <p:grpSp>
         <p:nvGrpSpPr>
-          <p:cNvPr id="28" name="Group 27">
+          <p:cNvPr id="28" name="Group 27" descr="A diagram showing the alignment problem for LLMs. The developers provide the LLM with training data and try to impose their goals while the user may have differnt goals. The LLM may not be perfectly aligned with any of these goals.">
             <a:extLst>
               <a:ext uri="{FF2B5EF4-FFF2-40B4-BE49-F238E27FC236}">
                 <a16:creationId xmlns:a16="http://schemas.microsoft.com/office/drawing/2014/main" id="{77A57264-E37D-FB82-09E6-8445BB6CE3A4}"/>
+              </a:ext>
+              <a:ext uri="{C183D7F6-B498-43B3-948B-1728B52AA6E4}">
+                <adec:decorative xmlns:adec="http://schemas.microsoft.com/office/drawing/2017/decorative" val="0"/>
               </a:ext>
             </a:extLst>
           </p:cNvPr>
@@ -10278,16 +10375,22 @@
               <a:prstGeom prst="rightArrow">
                 <a:avLst/>
               </a:prstGeom>
+              <a:solidFill>
+                <a:schemeClr val="accent3"/>
+              </a:solidFill>
+              <a:ln>
+                <a:noFill/>
+              </a:ln>
             </p:spPr>
             <p:style>
-              <a:lnRef idx="3">
-                <a:schemeClr val="lt1"/>
+              <a:lnRef idx="0">
+                <a:scrgbClr r="0" g="0" b="0"/>
               </a:lnRef>
-              <a:fillRef idx="1">
-                <a:schemeClr val="accent6"/>
+              <a:fillRef idx="0">
+                <a:scrgbClr r="0" g="0" b="0"/>
               </a:fillRef>
-              <a:effectRef idx="1">
-                <a:schemeClr val="accent6"/>
+              <a:effectRef idx="0">
+                <a:scrgbClr r="0" g="0" b="0"/>
               </a:effectRef>
               <a:fontRef idx="minor">
                 <a:schemeClr val="lt1"/>
@@ -10322,16 +10425,22 @@
               <a:prstGeom prst="rightArrow">
                 <a:avLst/>
               </a:prstGeom>
+              <a:solidFill>
+                <a:schemeClr val="accent3"/>
+              </a:solidFill>
+              <a:ln>
+                <a:noFill/>
+              </a:ln>
             </p:spPr>
             <p:style>
-              <a:lnRef idx="3">
-                <a:schemeClr val="lt1"/>
+              <a:lnRef idx="0">
+                <a:scrgbClr r="0" g="0" b="0"/>
               </a:lnRef>
-              <a:fillRef idx="1">
-                <a:schemeClr val="accent6"/>
+              <a:fillRef idx="0">
+                <a:scrgbClr r="0" g="0" b="0"/>
               </a:fillRef>
-              <a:effectRef idx="1">
-                <a:schemeClr val="accent6"/>
+              <a:effectRef idx="0">
+                <a:scrgbClr r="0" g="0" b="0"/>
               </a:effectRef>
               <a:fontRef idx="minor">
                 <a:schemeClr val="lt1"/>
@@ -10412,7 +10521,7 @@
             <p:style>
               <a:lnRef idx="2">
                 <a:schemeClr val="accent2">
-                  <a:shade val="50000"/>
+                  <a:shade val="15000"/>
                 </a:schemeClr>
               </a:lnRef>
               <a:fillRef idx="1">
@@ -10431,7 +10540,7 @@
               <a:p>
                 <a:pPr algn="ctr"/>
                 <a:r>
-                  <a:rPr lang="en-US" sz="1400" dirty="0"/>
+                  <a:rPr lang="en-US" sz="1400" b="1" dirty="0"/>
                   <a:t>Goals</a:t>
                 </a:r>
               </a:p>
@@ -10818,6 +10927,11 @@
                   <a:gd name="adj2" fmla="val 65948"/>
                 </a:avLst>
               </a:prstGeom>
+              <a:solidFill>
+                <a:schemeClr val="accent6">
+                  <a:lumMod val="75000"/>
+                </a:schemeClr>
+              </a:solidFill>
             </p:spPr>
             <p:style>
               <a:lnRef idx="3">
@@ -10866,6 +10980,11 @@
             <a:prstGeom prst="irregularSeal2">
               <a:avLst/>
             </a:prstGeom>
+            <a:solidFill>
+              <a:schemeClr val="accent6">
+                <a:lumMod val="75000"/>
+              </a:schemeClr>
+            </a:solidFill>
           </p:spPr>
           <p:style>
             <a:lnRef idx="3">
@@ -11097,44 +11216,6 @@
           </p:txBody>
         </p:sp>
       </p:grpSp>
-      <p:sp>
-        <p:nvSpPr>
-          <p:cNvPr id="30" name="TextBox 29">
-            <a:extLst>
-              <a:ext uri="{FF2B5EF4-FFF2-40B4-BE49-F238E27FC236}">
-                <a16:creationId xmlns:a16="http://schemas.microsoft.com/office/drawing/2014/main" id="{3BEC4449-0F42-F297-6269-8B9A0C8A2DFA}"/>
-              </a:ext>
-            </a:extLst>
-          </p:cNvPr>
-          <p:cNvSpPr txBox="1"/>
-          <p:nvPr/>
-        </p:nvSpPr>
-        <p:spPr>
-          <a:xfrm>
-            <a:off x="623760" y="1584962"/>
-            <a:ext cx="3519713" cy="646331"/>
-          </a:xfrm>
-          <a:prstGeom prst="rect">
-            <a:avLst/>
-          </a:prstGeom>
-          <a:noFill/>
-        </p:spPr>
-        <p:txBody>
-          <a:bodyPr wrap="square">
-            <a:spAutoFit/>
-          </a:bodyPr>
-          <a:lstStyle/>
-          <a:p>
-            <a:pPr marL="0" indent="0">
-              <a:buNone/>
-            </a:pPr>
-            <a:r>
-              <a:rPr lang="en-US" sz="1800" dirty="0"/>
-              <a:t>“Prevent accidents, misuse, or other harmful consequences of AI.”</a:t>
-            </a:r>
-          </a:p>
-        </p:txBody>
-      </p:sp>
     </p:spTree>
     <p:extLst>
       <p:ext uri="{BB962C8B-B14F-4D97-AF65-F5344CB8AC3E}">
@@ -11165,12 +11246,50 @@
           <a:chExt cx="0" cy="0"/>
         </a:xfrm>
       </p:grpSpPr>
+      <p:sp>
+        <p:nvSpPr>
+          <p:cNvPr id="7" name="Title 6">
+            <a:extLst>
+              <a:ext uri="{FF2B5EF4-FFF2-40B4-BE49-F238E27FC236}">
+                <a16:creationId xmlns:a16="http://schemas.microsoft.com/office/drawing/2014/main" id="{B12DB8F9-BFA6-7E3F-7510-2D5B95F1D52D}"/>
+              </a:ext>
+            </a:extLst>
+          </p:cNvPr>
+          <p:cNvSpPr>
+            <a:spLocks noGrp="1"/>
+          </p:cNvSpPr>
+          <p:nvPr>
+            <p:ph type="title" idx="4294967295"/>
+          </p:nvPr>
+        </p:nvSpPr>
+        <p:spPr>
+          <a:xfrm>
+            <a:off x="628650" y="-1325563"/>
+            <a:ext cx="7886700" cy="1325563"/>
+          </a:xfrm>
+        </p:spPr>
+        <p:txBody>
+          <a:bodyPr vert="horz" lIns="91440" tIns="45720" rIns="91440" bIns="45720" rtlCol="0" anchor="b">
+            <a:normAutofit/>
+          </a:bodyPr>
+          <a:lstStyle/>
+          <a:p>
+            <a:r>
+              <a:rPr lang="en-US" dirty="0"/>
+              <a:t>USA: Executive Order on the Safe Use of AI</a:t>
+            </a:r>
+          </a:p>
+        </p:txBody>
+      </p:sp>
       <p:pic>
         <p:nvPicPr>
           <p:cNvPr id="3" name="Picture 2">
             <a:extLst>
               <a:ext uri="{FF2B5EF4-FFF2-40B4-BE49-F238E27FC236}">
                 <a16:creationId xmlns:a16="http://schemas.microsoft.com/office/drawing/2014/main" id="{B2E89D55-5800-7960-D379-4B0DEBDA1F5A}"/>
+              </a:ext>
+              <a:ext uri="{C183D7F6-B498-43B3-948B-1728B52AA6E4}">
+                <adec:decorative xmlns:adec="http://schemas.microsoft.com/office/drawing/2017/decorative" val="1"/>
               </a:ext>
             </a:extLst>
           </p:cNvPr>
@@ -11197,197 +11316,7 @@
       </p:pic>
       <p:sp>
         <p:nvSpPr>
-          <p:cNvPr id="4" name="TextBox 3">
-            <a:extLst>
-              <a:ext uri="{FF2B5EF4-FFF2-40B4-BE49-F238E27FC236}">
-                <a16:creationId xmlns:a16="http://schemas.microsoft.com/office/drawing/2014/main" id="{5D3EBB26-C99C-180B-943D-C62BC8C56CCA}"/>
-              </a:ext>
-            </a:extLst>
-          </p:cNvPr>
-          <p:cNvSpPr txBox="1"/>
-          <p:nvPr/>
-        </p:nvSpPr>
-        <p:spPr>
-          <a:xfrm>
-            <a:off x="6934200" y="457200"/>
-            <a:ext cx="2079290" cy="3785652"/>
-          </a:xfrm>
-          <a:prstGeom prst="rect">
-            <a:avLst/>
-          </a:prstGeom>
-          <a:noFill/>
-        </p:spPr>
-        <p:txBody>
-          <a:bodyPr wrap="square" rtlCol="0">
-            <a:spAutoFit/>
-          </a:bodyPr>
-          <a:lstStyle/>
-          <a:p>
-            <a:r>
-              <a:rPr lang="en-US" sz="1600" b="0" i="0" dirty="0">
-                <a:solidFill>
-                  <a:srgbClr val="0A2458"/>
-                </a:solidFill>
-                <a:effectLst/>
-                <a:highlight>
-                  <a:srgbClr val="FFFFFF"/>
-                </a:highlight>
-                <a:latin typeface="MercurySSm-Book-Pro_Web"/>
-              </a:rPr>
-              <a:t>Some important points:</a:t>
-            </a:r>
-          </a:p>
-          <a:p>
-            <a:endParaRPr lang="en-US" sz="1600" b="0" i="0" dirty="0">
-              <a:solidFill>
-                <a:srgbClr val="0A2458"/>
-              </a:solidFill>
-              <a:effectLst/>
-              <a:highlight>
-                <a:srgbClr val="FFFFFF"/>
-              </a:highlight>
-              <a:latin typeface="MercurySSm-Book-Pro_Web"/>
-            </a:endParaRPr>
-          </a:p>
-          <a:p>
-            <a:pPr marL="285750" indent="-285750">
-              <a:buFont typeface="Arial" panose="020B0604020202020204" pitchFamily="34" charset="0"/>
-              <a:buChar char="•"/>
-            </a:pPr>
-            <a:r>
-              <a:rPr lang="en-US" sz="1600" b="0" i="0" dirty="0">
-                <a:solidFill>
-                  <a:srgbClr val="0A2458"/>
-                </a:solidFill>
-                <a:effectLst/>
-                <a:highlight>
-                  <a:srgbClr val="FFFFFF"/>
-                </a:highlight>
-                <a:latin typeface="MercurySSm-Book-Pro_Web"/>
-              </a:rPr>
-              <a:t>Artificial Intelligence must be </a:t>
-            </a:r>
-            <a:r>
-              <a:rPr lang="en-US" sz="1600" b="1" i="0" dirty="0">
-                <a:solidFill>
-                  <a:srgbClr val="0A2458"/>
-                </a:solidFill>
-                <a:effectLst/>
-                <a:highlight>
-                  <a:srgbClr val="FFFFFF"/>
-                </a:highlight>
-                <a:latin typeface="MercurySSm-Book-Pro_Web"/>
-              </a:rPr>
-              <a:t>safe and secure</a:t>
-            </a:r>
-            <a:r>
-              <a:rPr lang="en-US" sz="1600" b="0" i="0" dirty="0">
-                <a:solidFill>
-                  <a:srgbClr val="0A2458"/>
-                </a:solidFill>
-                <a:effectLst/>
-                <a:highlight>
-                  <a:srgbClr val="FFFFFF"/>
-                </a:highlight>
-                <a:latin typeface="MercurySSm-Book-Pro_Web"/>
-              </a:rPr>
-              <a:t>.</a:t>
-            </a:r>
-          </a:p>
-          <a:p>
-            <a:pPr marL="285750" indent="-285750">
-              <a:buFont typeface="Arial" panose="020B0604020202020204" pitchFamily="34" charset="0"/>
-              <a:buChar char="•"/>
-            </a:pPr>
-            <a:r>
-              <a:rPr lang="en-US" sz="1600" b="0" i="0" dirty="0">
-                <a:solidFill>
-                  <a:srgbClr val="0A2458"/>
-                </a:solidFill>
-                <a:effectLst/>
-                <a:highlight>
-                  <a:srgbClr val="FFFFFF"/>
-                </a:highlight>
-                <a:latin typeface="MercurySSm-Book-Pro_Web"/>
-              </a:rPr>
-              <a:t>Promoting </a:t>
-            </a:r>
-            <a:r>
-              <a:rPr lang="en-US" sz="1600" b="1" i="0" dirty="0">
-                <a:solidFill>
-                  <a:srgbClr val="0A2458"/>
-                </a:solidFill>
-                <a:effectLst/>
-                <a:highlight>
-                  <a:srgbClr val="FFFFFF"/>
-                </a:highlight>
-                <a:latin typeface="MercurySSm-Book-Pro_Web"/>
-              </a:rPr>
-              <a:t>responsible innovation, competition, and collaboration</a:t>
-            </a:r>
-            <a:endParaRPr lang="en-US" sz="1600" b="1" dirty="0">
-              <a:solidFill>
-                <a:srgbClr val="0A2458"/>
-              </a:solidFill>
-              <a:highlight>
-                <a:srgbClr val="FFFFFF"/>
-              </a:highlight>
-              <a:latin typeface="MercurySSm-Book-Pro_Web"/>
-            </a:endParaRPr>
-          </a:p>
-          <a:p>
-            <a:pPr marL="285750" indent="-285750">
-              <a:buFont typeface="Arial" panose="020B0604020202020204" pitchFamily="34" charset="0"/>
-              <a:buChar char="•"/>
-            </a:pPr>
-            <a:r>
-              <a:rPr lang="en-US" sz="1600" b="0" i="0" dirty="0">
-                <a:solidFill>
-                  <a:srgbClr val="0A2458"/>
-                </a:solidFill>
-                <a:effectLst/>
-                <a:highlight>
-                  <a:srgbClr val="FFFFFF"/>
-                </a:highlight>
-                <a:latin typeface="MercurySSm-Book-Pro_Web"/>
-              </a:rPr>
-              <a:t>Americans’ </a:t>
-            </a:r>
-            <a:r>
-              <a:rPr lang="en-US" sz="1600" b="1" i="0" dirty="0">
-                <a:solidFill>
-                  <a:srgbClr val="0A2458"/>
-                </a:solidFill>
-                <a:effectLst/>
-                <a:highlight>
-                  <a:srgbClr val="FFFFFF"/>
-                </a:highlight>
-                <a:latin typeface="MercurySSm-Book-Pro_Web"/>
-              </a:rPr>
-              <a:t>privacy and civil liberties </a:t>
-            </a:r>
-            <a:r>
-              <a:rPr lang="en-US" sz="1600" b="0" i="0" dirty="0">
-                <a:solidFill>
-                  <a:srgbClr val="0A2458"/>
-                </a:solidFill>
-                <a:effectLst/>
-                <a:highlight>
-                  <a:srgbClr val="FFFFFF"/>
-                </a:highlight>
-                <a:latin typeface="MercurySSm-Book-Pro_Web"/>
-              </a:rPr>
-              <a:t>must be protected.</a:t>
-            </a:r>
-          </a:p>
-          <a:p>
-            <a:endParaRPr lang="en-US" sz="1600" dirty="0"/>
-          </a:p>
-        </p:txBody>
-      </p:sp>
-      <p:sp>
-        <p:nvSpPr>
-          <p:cNvPr id="5" name="Rectangle 4">
+          <p:cNvPr id="5" name="Rectangle 4" descr="A screenshot of the first page of the US Executive order on the Save, Secure and Thrustworthy Develompment and Use of Artificial Intelligence from October 30, 2023.">
             <a:extLst>
               <a:ext uri="{FF2B5EF4-FFF2-40B4-BE49-F238E27FC236}">
                 <a16:creationId xmlns:a16="http://schemas.microsoft.com/office/drawing/2014/main" id="{4C8D0290-83A7-DAD6-D51E-E582E4F1FEE8}"/>
@@ -11432,12 +11361,208 @@
           </a:p>
         </p:txBody>
       </p:sp>
+      <p:sp>
+        <p:nvSpPr>
+          <p:cNvPr id="4" name="TextBox 3">
+            <a:extLst>
+              <a:ext uri="{FF2B5EF4-FFF2-40B4-BE49-F238E27FC236}">
+                <a16:creationId xmlns:a16="http://schemas.microsoft.com/office/drawing/2014/main" id="{5D3EBB26-C99C-180B-943D-C62BC8C56CCA}"/>
+              </a:ext>
+              <a:ext uri="{C183D7F6-B498-43B3-948B-1728B52AA6E4}">
+                <adec:decorative xmlns:adec="http://schemas.microsoft.com/office/drawing/2017/decorative" val="1"/>
+              </a:ext>
+            </a:extLst>
+          </p:cNvPr>
+          <p:cNvSpPr txBox="1"/>
+          <p:nvPr/>
+        </p:nvSpPr>
+        <p:spPr>
+          <a:xfrm>
+            <a:off x="6934200" y="457200"/>
+            <a:ext cx="2079290" cy="3785652"/>
+          </a:xfrm>
+          <a:prstGeom prst="rect">
+            <a:avLst/>
+          </a:prstGeom>
+          <a:noFill/>
+        </p:spPr>
+        <p:txBody>
+          <a:bodyPr wrap="square" rtlCol="0">
+            <a:spAutoFit/>
+          </a:bodyPr>
+          <a:lstStyle/>
+          <a:p>
+            <a:r>
+              <a:rPr lang="en-US" sz="1600" b="0" i="0" dirty="0">
+                <a:solidFill>
+                  <a:srgbClr val="0A2458"/>
+                </a:solidFill>
+                <a:effectLst/>
+                <a:highlight>
+                  <a:srgbClr val="FFFFFF"/>
+                </a:highlight>
+                <a:latin typeface="MercurySSm-Book-Pro_Web"/>
+              </a:rPr>
+              <a:t>Some important points:</a:t>
+            </a:r>
+          </a:p>
+          <a:p>
+            <a:endParaRPr lang="en-US" sz="1600" b="0" i="0" dirty="0">
+              <a:solidFill>
+                <a:srgbClr val="0A2458"/>
+              </a:solidFill>
+              <a:effectLst/>
+              <a:highlight>
+                <a:srgbClr val="FFFFFF"/>
+              </a:highlight>
+              <a:latin typeface="MercurySSm-Book-Pro_Web"/>
+            </a:endParaRPr>
+          </a:p>
+          <a:p>
+            <a:pPr marL="285750" indent="-285750">
+              <a:buFont typeface="Arial" panose="020B0604020202020204" pitchFamily="34" charset="0"/>
+              <a:buChar char="•"/>
+            </a:pPr>
+            <a:r>
+              <a:rPr lang="en-US" sz="1600" b="0" i="0" dirty="0">
+                <a:solidFill>
+                  <a:srgbClr val="0A2458"/>
+                </a:solidFill>
+                <a:effectLst/>
+                <a:highlight>
+                  <a:srgbClr val="FFFFFF"/>
+                </a:highlight>
+                <a:latin typeface="MercurySSm-Book-Pro_Web"/>
+              </a:rPr>
+              <a:t>Artificial Intelligence must be </a:t>
+            </a:r>
+            <a:r>
+              <a:rPr lang="en-US" sz="1600" b="1" i="0" dirty="0">
+                <a:solidFill>
+                  <a:srgbClr val="0A2458"/>
+                </a:solidFill>
+                <a:effectLst/>
+                <a:highlight>
+                  <a:srgbClr val="FFFFFF"/>
+                </a:highlight>
+                <a:latin typeface="MercurySSm-Book-Pro_Web"/>
+              </a:rPr>
+              <a:t>safe and secure</a:t>
+            </a:r>
+            <a:r>
+              <a:rPr lang="en-US" sz="1600" b="0" i="0" dirty="0">
+                <a:solidFill>
+                  <a:srgbClr val="0A2458"/>
+                </a:solidFill>
+                <a:effectLst/>
+                <a:highlight>
+                  <a:srgbClr val="FFFFFF"/>
+                </a:highlight>
+                <a:latin typeface="MercurySSm-Book-Pro_Web"/>
+              </a:rPr>
+              <a:t>.</a:t>
+            </a:r>
+          </a:p>
+          <a:p>
+            <a:pPr marL="285750" indent="-285750">
+              <a:buFont typeface="Arial" panose="020B0604020202020204" pitchFamily="34" charset="0"/>
+              <a:buChar char="•"/>
+            </a:pPr>
+            <a:r>
+              <a:rPr lang="en-US" sz="1600" b="0" i="0" dirty="0">
+                <a:solidFill>
+                  <a:srgbClr val="0A2458"/>
+                </a:solidFill>
+                <a:effectLst/>
+                <a:highlight>
+                  <a:srgbClr val="FFFFFF"/>
+                </a:highlight>
+                <a:latin typeface="MercurySSm-Book-Pro_Web"/>
+              </a:rPr>
+              <a:t>Promoting </a:t>
+            </a:r>
+            <a:r>
+              <a:rPr lang="en-US" sz="1600" b="1" i="0" dirty="0">
+                <a:solidFill>
+                  <a:srgbClr val="0A2458"/>
+                </a:solidFill>
+                <a:effectLst/>
+                <a:highlight>
+                  <a:srgbClr val="FFFFFF"/>
+                </a:highlight>
+                <a:latin typeface="MercurySSm-Book-Pro_Web"/>
+              </a:rPr>
+              <a:t>responsible innovation, competition, and collaboration</a:t>
+            </a:r>
+            <a:endParaRPr lang="en-US" sz="1600" b="1" dirty="0">
+              <a:solidFill>
+                <a:srgbClr val="0A2458"/>
+              </a:solidFill>
+              <a:highlight>
+                <a:srgbClr val="FFFFFF"/>
+              </a:highlight>
+              <a:latin typeface="MercurySSm-Book-Pro_Web"/>
+            </a:endParaRPr>
+          </a:p>
+          <a:p>
+            <a:pPr marL="285750" indent="-285750">
+              <a:buFont typeface="Arial" panose="020B0604020202020204" pitchFamily="34" charset="0"/>
+              <a:buChar char="•"/>
+            </a:pPr>
+            <a:r>
+              <a:rPr lang="en-US" sz="1600" b="0" i="0" dirty="0">
+                <a:solidFill>
+                  <a:srgbClr val="0A2458"/>
+                </a:solidFill>
+                <a:effectLst/>
+                <a:highlight>
+                  <a:srgbClr val="FFFFFF"/>
+                </a:highlight>
+                <a:latin typeface="MercurySSm-Book-Pro_Web"/>
+              </a:rPr>
+              <a:t>Americans’ </a:t>
+            </a:r>
+            <a:r>
+              <a:rPr lang="en-US" sz="1600" b="1" i="0" dirty="0">
+                <a:solidFill>
+                  <a:srgbClr val="0A2458"/>
+                </a:solidFill>
+                <a:effectLst/>
+                <a:highlight>
+                  <a:srgbClr val="FFFFFF"/>
+                </a:highlight>
+                <a:latin typeface="MercurySSm-Book-Pro_Web"/>
+              </a:rPr>
+              <a:t>privacy and civil liberties </a:t>
+            </a:r>
+            <a:r>
+              <a:rPr lang="en-US" sz="1600" b="0" i="0" dirty="0">
+                <a:solidFill>
+                  <a:srgbClr val="0A2458"/>
+                </a:solidFill>
+                <a:effectLst/>
+                <a:highlight>
+                  <a:srgbClr val="FFFFFF"/>
+                </a:highlight>
+                <a:latin typeface="MercurySSm-Book-Pro_Web"/>
+              </a:rPr>
+              <a:t>must be protected.</a:t>
+            </a:r>
+          </a:p>
+          <a:p>
+            <a:endParaRPr lang="en-US" sz="1600" dirty="0"/>
+          </a:p>
+        </p:txBody>
+      </p:sp>
       <p:cxnSp>
         <p:nvCxnSpPr>
           <p:cNvPr id="2" name="Straight Connector 1">
             <a:extLst>
               <a:ext uri="{FF2B5EF4-FFF2-40B4-BE49-F238E27FC236}">
                 <a16:creationId xmlns:a16="http://schemas.microsoft.com/office/drawing/2014/main" id="{52A640AA-ADC2-FBC4-05FC-76D9B975B84D}"/>
+              </a:ext>
+              <a:ext uri="{C183D7F6-B498-43B3-948B-1728B52AA6E4}">
+                <adec:decorative xmlns:adec="http://schemas.microsoft.com/office/drawing/2017/decorative" val="1"/>
               </a:ext>
             </a:extLst>
           </p:cNvPr>
@@ -11493,15 +11618,15 @@
         </p:spPr>
         <p:style>
           <a:lnRef idx="2">
-            <a:schemeClr val="accent6">
+            <a:schemeClr val="accent3">
               <a:shade val="15000"/>
             </a:schemeClr>
           </a:lnRef>
           <a:fillRef idx="1">
-            <a:schemeClr val="accent6"/>
+            <a:schemeClr val="accent3"/>
           </a:fillRef>
           <a:effectRef idx="0">
-            <a:schemeClr val="accent6"/>
+            <a:schemeClr val="accent3"/>
           </a:effectRef>
           <a:fontRef idx="minor">
             <a:schemeClr val="lt1"/>
@@ -12097,34 +12222,34 @@
         <a:sysClr val="window" lastClr="FFFFFF"/>
       </a:lt1>
       <a:dk2>
-        <a:srgbClr val="44546A"/>
+        <a:srgbClr val="0E2841"/>
       </a:dk2>
       <a:lt2>
-        <a:srgbClr val="E7E6E6"/>
+        <a:srgbClr val="E8E8E8"/>
       </a:lt2>
       <a:accent1>
-        <a:srgbClr val="4472C4"/>
+        <a:srgbClr val="156082"/>
       </a:accent1>
       <a:accent2>
-        <a:srgbClr val="ED7D31"/>
+        <a:srgbClr val="E97132"/>
       </a:accent2>
       <a:accent3>
-        <a:srgbClr val="A5A5A5"/>
+        <a:srgbClr val="196B24"/>
       </a:accent3>
       <a:accent4>
-        <a:srgbClr val="FFC000"/>
+        <a:srgbClr val="0F9ED5"/>
       </a:accent4>
       <a:accent5>
-        <a:srgbClr val="5B9BD5"/>
+        <a:srgbClr val="A02B93"/>
       </a:accent5>
       <a:accent6>
-        <a:srgbClr val="70AD47"/>
+        <a:srgbClr val="4EA72E"/>
       </a:accent6>
       <a:hlink>
-        <a:srgbClr val="0563C1"/>
+        <a:srgbClr val="467886"/>
       </a:hlink>
       <a:folHlink>
-        <a:srgbClr val="954F72"/>
+        <a:srgbClr val="96607D"/>
       </a:folHlink>
     </a:clrScheme>
     <a:fontScheme name="Office">
@@ -12665,14 +12790,6 @@
 </file>
 
 <file path=customXml/item1.xml><?xml version="1.0" encoding="utf-8"?>
-<p:properties xmlns:p="http://schemas.microsoft.com/office/2006/metadata/properties" xmlns:xsi="http://www.w3.org/2001/XMLSchema-instance" xmlns:pc="http://schemas.microsoft.com/office/infopath/2007/PartnerControls">
-  <documentManagement>
-    <_activity xmlns="49eab711-90d1-4c0f-9775-bfb7f5e5a799" xsi:nil="true"/>
-  </documentManagement>
-</p:properties>
-</file>
-
-<file path=customXml/item2.xml><?xml version="1.0" encoding="utf-8"?>
 <ct:contentTypeSchema xmlns:ct="http://schemas.microsoft.com/office/2006/metadata/contentType" xmlns:ma="http://schemas.microsoft.com/office/2006/metadata/properties/metaAttributes" ct:_="" ma:_="" ma:contentTypeName="Document" ma:contentTypeID="0x010100E62C0C88D39C234FAEC96AAE0F671565" ma:contentTypeVersion="13" ma:contentTypeDescription="Create a new document." ma:contentTypeScope="" ma:versionID="910a4736c6ae9b0a74b637f589bed834">
   <xsd:schema xmlns:xsd="http://www.w3.org/2001/XMLSchema" xmlns:xs="http://www.w3.org/2001/XMLSchema" xmlns:p="http://schemas.microsoft.com/office/2006/metadata/properties" xmlns:ns3="49eab711-90d1-4c0f-9775-bfb7f5e5a799" xmlns:ns4="609867d6-2629-4535-86dd-ac3b97a3ffd8" targetNamespace="http://schemas.microsoft.com/office/2006/metadata/properties" ma:root="true" ma:fieldsID="56512280202f27bcbcd60b874abf9df2" ns3:_="" ns4:_="">
     <xsd:import namespace="49eab711-90d1-4c0f-9775-bfb7f5e5a799"/>
@@ -12891,6 +13008,14 @@
 </ct:contentTypeSchema>
 </file>
 
+<file path=customXml/item2.xml><?xml version="1.0" encoding="utf-8"?>
+<p:properties xmlns:p="http://schemas.microsoft.com/office/2006/metadata/properties" xmlns:xsi="http://www.w3.org/2001/XMLSchema-instance" xmlns:pc="http://schemas.microsoft.com/office/infopath/2007/PartnerControls">
+  <documentManagement>
+    <_activity xmlns="49eab711-90d1-4c0f-9775-bfb7f5e5a799" xsi:nil="true"/>
+  </documentManagement>
+</p:properties>
+</file>
+
 <file path=customXml/item3.xml><?xml version="1.0" encoding="utf-8"?>
 <?mso-contentType ?>
 <FormTemplates xmlns="http://schemas.microsoft.com/sharepoint/v3/contenttype/forms">
@@ -12901,23 +13026,6 @@
 </file>
 
 <file path=customXml/itemProps1.xml><?xml version="1.0" encoding="utf-8"?>
-<ds:datastoreItem xmlns:ds="http://schemas.openxmlformats.org/officeDocument/2006/customXml" ds:itemID="{4549F902-3FEA-4340-AB71-BA3CC3945F6B}">
-  <ds:schemaRefs>
-    <ds:schemaRef ds:uri="http://purl.org/dc/dcmitype/"/>
-    <ds:schemaRef ds:uri="http://schemas.microsoft.com/office/2006/documentManagement/types"/>
-    <ds:schemaRef ds:uri="http://schemas.openxmlformats.org/package/2006/metadata/core-properties"/>
-    <ds:schemaRef ds:uri="http://purl.org/dc/elements/1.1/"/>
-    <ds:schemaRef ds:uri="http://www.w3.org/XML/1998/namespace"/>
-    <ds:schemaRef ds:uri="http://schemas.microsoft.com/office/2006/metadata/properties"/>
-    <ds:schemaRef ds:uri="http://purl.org/dc/terms/"/>
-    <ds:schemaRef ds:uri="609867d6-2629-4535-86dd-ac3b97a3ffd8"/>
-    <ds:schemaRef ds:uri="http://schemas.microsoft.com/office/infopath/2007/PartnerControls"/>
-    <ds:schemaRef ds:uri="49eab711-90d1-4c0f-9775-bfb7f5e5a799"/>
-  </ds:schemaRefs>
-</ds:datastoreItem>
-</file>
-
-<file path=customXml/itemProps2.xml><?xml version="1.0" encoding="utf-8"?>
 <ds:datastoreItem xmlns:ds="http://schemas.openxmlformats.org/officeDocument/2006/customXml" ds:itemID="{960EBFF6-BEC2-42C5-9895-72BE68ED8B9F}">
   <ds:schemaRefs>
     <ds:schemaRef ds:uri="http://schemas.microsoft.com/office/2006/metadata/contentType"/>
@@ -12936,6 +13044,23 @@
 </ds:datastoreItem>
 </file>
 
+<file path=customXml/itemProps2.xml><?xml version="1.0" encoding="utf-8"?>
+<ds:datastoreItem xmlns:ds="http://schemas.openxmlformats.org/officeDocument/2006/customXml" ds:itemID="{4549F902-3FEA-4340-AB71-BA3CC3945F6B}">
+  <ds:schemaRefs>
+    <ds:schemaRef ds:uri="http://purl.org/dc/dcmitype/"/>
+    <ds:schemaRef ds:uri="http://schemas.microsoft.com/office/2006/documentManagement/types"/>
+    <ds:schemaRef ds:uri="http://schemas.openxmlformats.org/package/2006/metadata/core-properties"/>
+    <ds:schemaRef ds:uri="http://purl.org/dc/elements/1.1/"/>
+    <ds:schemaRef ds:uri="http://www.w3.org/XML/1998/namespace"/>
+    <ds:schemaRef ds:uri="http://schemas.microsoft.com/office/2006/metadata/properties"/>
+    <ds:schemaRef ds:uri="http://purl.org/dc/terms/"/>
+    <ds:schemaRef ds:uri="609867d6-2629-4535-86dd-ac3b97a3ffd8"/>
+    <ds:schemaRef ds:uri="http://schemas.microsoft.com/office/infopath/2007/PartnerControls"/>
+    <ds:schemaRef ds:uri="49eab711-90d1-4c0f-9775-bfb7f5e5a799"/>
+  </ds:schemaRefs>
+</ds:datastoreItem>
+</file>
+
 <file path=customXml/itemProps3.xml><?xml version="1.0" encoding="utf-8"?>
 <ds:datastoreItem xmlns:ds="http://schemas.openxmlformats.org/officeDocument/2006/customXml" ds:itemID="{2BBCFA1F-F3A2-4180-962A-F86B4F5DD5C9}">
   <ds:schemaRefs>

--- a/slides/01_intro_discussion.pptx
+++ b/slides/01_intro_discussion.pptx
@@ -11247,7 +11247,7 @@
             <a:pPr lvl="1"/>
             <a:r>
               <a:rPr lang="en-US" dirty="0"/>
-              <a:t>Try it for 5 minutes!</a:t>
+              <a:t>Would you be fooled?</a:t>
             </a:r>
           </a:p>
           <a:p>
@@ -16589,7 +16589,7 @@
         <p:spPr>
           <a:xfrm>
             <a:off x="787387" y="1641448"/>
-            <a:ext cx="2752104" cy="4478149"/>
+            <a:ext cx="2963194" cy="4724370"/>
           </a:xfrm>
           <a:prstGeom prst="rect">
             <a:avLst/>
@@ -16904,7 +16904,29 @@
                 <a:ea typeface="+mn-ea"/>
                 <a:cs typeface="+mn-cs"/>
               </a:rPr>
-              <a:t>.</a:t>
+              <a:t>. </a:t>
+            </a:r>
+            <a:r>
+              <a:rPr lang="en-US" sz="1600" kern="1200" dirty="0">
+                <a:solidFill>
+                  <a:schemeClr val="tx1"/>
+                </a:solidFill>
+                <a:latin typeface="+mn-lt"/>
+                <a:ea typeface="+mn-ea"/>
+                <a:cs typeface="+mn-cs"/>
+              </a:rPr>
+              <a:t>This uses </a:t>
+            </a:r>
+            <a:r>
+              <a:rPr lang="en-US" sz="1600" b="1" kern="1200" dirty="0">
+                <a:solidFill>
+                  <a:schemeClr val="tx1"/>
+                </a:solidFill>
+                <a:latin typeface="+mn-lt"/>
+                <a:ea typeface="+mn-ea"/>
+                <a:cs typeface="+mn-cs"/>
+              </a:rPr>
+              <a:t>Machine Learning (ML)</a:t>
             </a:r>
           </a:p>
         </p:txBody>
@@ -20145,6 +20167,83 @@
               <a:t> </a:t>
             </a:r>
             <a:endParaRPr lang="en-US" sz="1400"/>
+          </a:p>
+        </p:txBody>
+      </p:sp>
+      <p:sp>
+        <p:nvSpPr>
+          <p:cNvPr id="2" name="TextBox 1">
+            <a:extLst>
+              <a:ext uri="{FF2B5EF4-FFF2-40B4-BE49-F238E27FC236}">
+                <a16:creationId xmlns:a16="http://schemas.microsoft.com/office/drawing/2014/main" id="{D6AC8A4E-1703-390F-F073-FC39AF31568A}"/>
+              </a:ext>
+            </a:extLst>
+          </p:cNvPr>
+          <p:cNvSpPr txBox="1"/>
+          <p:nvPr/>
+        </p:nvSpPr>
+        <p:spPr>
+          <a:xfrm>
+            <a:off x="7467600" y="3109899"/>
+            <a:ext cx="1447800" cy="2308324"/>
+          </a:xfrm>
+          <a:prstGeom prst="rect">
+            <a:avLst/>
+          </a:prstGeom>
+        </p:spPr>
+        <p:style>
+          <a:lnRef idx="2">
+            <a:schemeClr val="accent4">
+              <a:shade val="15000"/>
+            </a:schemeClr>
+          </a:lnRef>
+          <a:fillRef idx="1">
+            <a:schemeClr val="accent4"/>
+          </a:fillRef>
+          <a:effectRef idx="0">
+            <a:schemeClr val="accent4"/>
+          </a:effectRef>
+          <a:fontRef idx="minor">
+            <a:schemeClr val="lt1"/>
+          </a:fontRef>
+        </p:style>
+        <p:txBody>
+          <a:bodyPr wrap="square" rtlCol="0">
+            <a:spAutoFit/>
+          </a:bodyPr>
+          <a:lstStyle/>
+          <a:p>
+            <a:r>
+              <a:rPr lang="en-US" dirty="0"/>
+              <a:t>What are the LLMs</a:t>
+            </a:r>
+          </a:p>
+          <a:p>
+            <a:endParaRPr lang="en-US" dirty="0"/>
+          </a:p>
+          <a:p>
+            <a:r>
+              <a:rPr lang="en-US" dirty="0"/>
+              <a:t>Percepts?</a:t>
+            </a:r>
+          </a:p>
+          <a:p>
+            <a:endParaRPr lang="en-US" dirty="0"/>
+          </a:p>
+          <a:p>
+            <a:r>
+              <a:rPr lang="en-US" dirty="0"/>
+              <a:t>Actions?</a:t>
+            </a:r>
+          </a:p>
+          <a:p>
+            <a:endParaRPr lang="en-US" dirty="0"/>
+          </a:p>
+          <a:p>
+            <a:r>
+              <a:rPr lang="en-US" dirty="0"/>
+              <a:t>Objectives?</a:t>
+            </a:r>
           </a:p>
         </p:txBody>
       </p:sp>
@@ -21518,20 +21617,20 @@
 </file>
 
 <file path=customXml/item2.xml><?xml version="1.0" encoding="utf-8"?>
-<p:properties xmlns:p="http://schemas.microsoft.com/office/2006/metadata/properties" xmlns:xsi="http://www.w3.org/2001/XMLSchema-instance" xmlns:pc="http://schemas.microsoft.com/office/infopath/2007/PartnerControls">
-  <documentManagement>
-    <_activity xmlns="49eab711-90d1-4c0f-9775-bfb7f5e5a799" xsi:nil="true"/>
-  </documentManagement>
-</p:properties>
-</file>
-
-<file path=customXml/item3.xml><?xml version="1.0" encoding="utf-8"?>
 <?mso-contentType ?>
 <FormTemplates xmlns="http://schemas.microsoft.com/sharepoint/v3/contenttype/forms">
   <Display>DocumentLibraryForm</Display>
   <Edit>DocumentLibraryForm</Edit>
   <New>DocumentLibraryForm</New>
 </FormTemplates>
+</file>
+
+<file path=customXml/item3.xml><?xml version="1.0" encoding="utf-8"?>
+<p:properties xmlns:p="http://schemas.microsoft.com/office/2006/metadata/properties" xmlns:xsi="http://www.w3.org/2001/XMLSchema-instance" xmlns:pc="http://schemas.microsoft.com/office/infopath/2007/PartnerControls">
+  <documentManagement>
+    <_activity xmlns="49eab711-90d1-4c0f-9775-bfb7f5e5a799" xsi:nil="true"/>
+  </documentManagement>
+</p:properties>
 </file>
 
 <file path=customXml/itemProps1.xml><?xml version="1.0" encoding="utf-8"?>
@@ -21554,6 +21653,14 @@
 </file>
 
 <file path=customXml/itemProps2.xml><?xml version="1.0" encoding="utf-8"?>
+<ds:datastoreItem xmlns:ds="http://schemas.openxmlformats.org/officeDocument/2006/customXml" ds:itemID="{2BBCFA1F-F3A2-4180-962A-F86B4F5DD5C9}">
+  <ds:schemaRefs>
+    <ds:schemaRef ds:uri="http://schemas.microsoft.com/sharepoint/v3/contenttype/forms"/>
+  </ds:schemaRefs>
+</ds:datastoreItem>
+</file>
+
+<file path=customXml/itemProps3.xml><?xml version="1.0" encoding="utf-8"?>
 <ds:datastoreItem xmlns:ds="http://schemas.openxmlformats.org/officeDocument/2006/customXml" ds:itemID="{4549F902-3FEA-4340-AB71-BA3CC3945F6B}">
   <ds:schemaRefs>
     <ds:schemaRef ds:uri="http://purl.org/dc/dcmitype/"/>
@@ -21568,12 +21675,4 @@
     <ds:schemaRef ds:uri="49eab711-90d1-4c0f-9775-bfb7f5e5a799"/>
   </ds:schemaRefs>
 </ds:datastoreItem>
-</file>
-
-<file path=customXml/itemProps3.xml><?xml version="1.0" encoding="utf-8"?>
-<ds:datastoreItem xmlns:ds="http://schemas.openxmlformats.org/officeDocument/2006/customXml" ds:itemID="{2BBCFA1F-F3A2-4180-962A-F86B4F5DD5C9}">
-  <ds:schemaRefs>
-    <ds:schemaRef ds:uri="http://schemas.microsoft.com/sharepoint/v3/contenttype/forms"/>
-  </ds:schemaRefs>
-</ds:datastoreItem>
 </file>
--- a/slides/01_intro_discussion.pptx
+++ b/slides/01_intro_discussion.pptx
@@ -19850,8 +19850,27 @@
                 <a:ea typeface="+mj-ea"/>
                 <a:cs typeface="+mj-cs"/>
               </a:rPr>
-              <a:t>Large Language Models (LLMs)</a:t>
-            </a:r>
+              <a:t>Large </a:t>
+            </a:r>
+            <a:r>
+              <a:rPr lang="en-US" sz="3500" kern="1200">
+                <a:solidFill>
+                  <a:schemeClr val="tx1"/>
+                </a:solidFill>
+                <a:latin typeface="+mj-lt"/>
+                <a:ea typeface="+mj-ea"/>
+                <a:cs typeface="+mj-cs"/>
+              </a:rPr>
+              <a:t>Language Model (LLM)</a:t>
+            </a:r>
+            <a:endParaRPr lang="en-US" sz="3500" kern="1200" dirty="0">
+              <a:solidFill>
+                <a:schemeClr val="tx1"/>
+              </a:solidFill>
+              <a:latin typeface="+mj-lt"/>
+              <a:ea typeface="+mj-ea"/>
+              <a:cs typeface="+mj-cs"/>
+            </a:endParaRPr>
           </a:p>
         </p:txBody>
       </p:sp>
@@ -21398,6 +21417,23 @@
 </file>
 
 <file path=customXml/item1.xml><?xml version="1.0" encoding="utf-8"?>
+<p:properties xmlns:p="http://schemas.microsoft.com/office/2006/metadata/properties" xmlns:xsi="http://www.w3.org/2001/XMLSchema-instance" xmlns:pc="http://schemas.microsoft.com/office/infopath/2007/PartnerControls">
+  <documentManagement>
+    <_activity xmlns="49eab711-90d1-4c0f-9775-bfb7f5e5a799" xsi:nil="true"/>
+  </documentManagement>
+</p:properties>
+</file>
+
+<file path=customXml/item2.xml><?xml version="1.0" encoding="utf-8"?>
+<?mso-contentType ?>
+<FormTemplates xmlns="http://schemas.microsoft.com/sharepoint/v3/contenttype/forms">
+  <Display>DocumentLibraryForm</Display>
+  <Edit>DocumentLibraryForm</Edit>
+  <New>DocumentLibraryForm</New>
+</FormTemplates>
+</file>
+
+<file path=customXml/item3.xml><?xml version="1.0" encoding="utf-8"?>
 <ct:contentTypeSchema xmlns:ct="http://schemas.microsoft.com/office/2006/metadata/contentType" xmlns:ma="http://schemas.microsoft.com/office/2006/metadata/properties/metaAttributes" ct:_="" ma:_="" ma:contentTypeName="Document" ma:contentTypeID="0x010100E62C0C88D39C234FAEC96AAE0F671565" ma:contentTypeVersion="13" ma:contentTypeDescription="Create a new document." ma:contentTypeScope="" ma:versionID="910a4736c6ae9b0a74b637f589bed834">
   <xsd:schema xmlns:xsd="http://www.w3.org/2001/XMLSchema" xmlns:xs="http://www.w3.org/2001/XMLSchema" xmlns:p="http://schemas.microsoft.com/office/2006/metadata/properties" xmlns:ns3="49eab711-90d1-4c0f-9775-bfb7f5e5a799" xmlns:ns4="609867d6-2629-4535-86dd-ac3b97a3ffd8" targetNamespace="http://schemas.microsoft.com/office/2006/metadata/properties" ma:root="true" ma:fieldsID="56512280202f27bcbcd60b874abf9df2" ns3:_="" ns4:_="">
     <xsd:import namespace="49eab711-90d1-4c0f-9775-bfb7f5e5a799"/>
@@ -21616,24 +21652,32 @@
 </ct:contentTypeSchema>
 </file>
 
-<file path=customXml/item2.xml><?xml version="1.0" encoding="utf-8"?>
-<?mso-contentType ?>
-<FormTemplates xmlns="http://schemas.microsoft.com/sharepoint/v3/contenttype/forms">
-  <Display>DocumentLibraryForm</Display>
-  <Edit>DocumentLibraryForm</Edit>
-  <New>DocumentLibraryForm</New>
-</FormTemplates>
+<file path=customXml/itemProps1.xml><?xml version="1.0" encoding="utf-8"?>
+<ds:datastoreItem xmlns:ds="http://schemas.openxmlformats.org/officeDocument/2006/customXml" ds:itemID="{4549F902-3FEA-4340-AB71-BA3CC3945F6B}">
+  <ds:schemaRefs>
+    <ds:schemaRef ds:uri="http://purl.org/dc/dcmitype/"/>
+    <ds:schemaRef ds:uri="http://schemas.microsoft.com/office/2006/documentManagement/types"/>
+    <ds:schemaRef ds:uri="http://schemas.openxmlformats.org/package/2006/metadata/core-properties"/>
+    <ds:schemaRef ds:uri="http://purl.org/dc/elements/1.1/"/>
+    <ds:schemaRef ds:uri="http://www.w3.org/XML/1998/namespace"/>
+    <ds:schemaRef ds:uri="http://schemas.microsoft.com/office/2006/metadata/properties"/>
+    <ds:schemaRef ds:uri="http://purl.org/dc/terms/"/>
+    <ds:schemaRef ds:uri="609867d6-2629-4535-86dd-ac3b97a3ffd8"/>
+    <ds:schemaRef ds:uri="http://schemas.microsoft.com/office/infopath/2007/PartnerControls"/>
+    <ds:schemaRef ds:uri="49eab711-90d1-4c0f-9775-bfb7f5e5a799"/>
+  </ds:schemaRefs>
+</ds:datastoreItem>
 </file>
 
-<file path=customXml/item3.xml><?xml version="1.0" encoding="utf-8"?>
-<p:properties xmlns:p="http://schemas.microsoft.com/office/2006/metadata/properties" xmlns:xsi="http://www.w3.org/2001/XMLSchema-instance" xmlns:pc="http://schemas.microsoft.com/office/infopath/2007/PartnerControls">
-  <documentManagement>
-    <_activity xmlns="49eab711-90d1-4c0f-9775-bfb7f5e5a799" xsi:nil="true"/>
-  </documentManagement>
-</p:properties>
+<file path=customXml/itemProps2.xml><?xml version="1.0" encoding="utf-8"?>
+<ds:datastoreItem xmlns:ds="http://schemas.openxmlformats.org/officeDocument/2006/customXml" ds:itemID="{2BBCFA1F-F3A2-4180-962A-F86B4F5DD5C9}">
+  <ds:schemaRefs>
+    <ds:schemaRef ds:uri="http://schemas.microsoft.com/sharepoint/v3/contenttype/forms"/>
+  </ds:schemaRefs>
+</ds:datastoreItem>
 </file>
 
-<file path=customXml/itemProps1.xml><?xml version="1.0" encoding="utf-8"?>
+<file path=customXml/itemProps3.xml><?xml version="1.0" encoding="utf-8"?>
 <ds:datastoreItem xmlns:ds="http://schemas.openxmlformats.org/officeDocument/2006/customXml" ds:itemID="{960EBFF6-BEC2-42C5-9895-72BE68ED8B9F}">
   <ds:schemaRefs>
     <ds:schemaRef ds:uri="http://schemas.microsoft.com/office/2006/metadata/contentType"/>
@@ -21650,29 +21694,4 @@
     <ds:schemaRef ds:uri="http://schemas.microsoft.com/internal/obd"/>
   </ds:schemaRefs>
 </ds:datastoreItem>
-</file>
-
-<file path=customXml/itemProps2.xml><?xml version="1.0" encoding="utf-8"?>
-<ds:datastoreItem xmlns:ds="http://schemas.openxmlformats.org/officeDocument/2006/customXml" ds:itemID="{2BBCFA1F-F3A2-4180-962A-F86B4F5DD5C9}">
-  <ds:schemaRefs>
-    <ds:schemaRef ds:uri="http://schemas.microsoft.com/sharepoint/v3/contenttype/forms"/>
-  </ds:schemaRefs>
-</ds:datastoreItem>
-</file>
-
-<file path=customXml/itemProps3.xml><?xml version="1.0" encoding="utf-8"?>
-<ds:datastoreItem xmlns:ds="http://schemas.openxmlformats.org/officeDocument/2006/customXml" ds:itemID="{4549F902-3FEA-4340-AB71-BA3CC3945F6B}">
-  <ds:schemaRefs>
-    <ds:schemaRef ds:uri="http://purl.org/dc/dcmitype/"/>
-    <ds:schemaRef ds:uri="http://schemas.microsoft.com/office/2006/documentManagement/types"/>
-    <ds:schemaRef ds:uri="http://schemas.openxmlformats.org/package/2006/metadata/core-properties"/>
-    <ds:schemaRef ds:uri="http://purl.org/dc/elements/1.1/"/>
-    <ds:schemaRef ds:uri="http://www.w3.org/XML/1998/namespace"/>
-    <ds:schemaRef ds:uri="http://schemas.microsoft.com/office/2006/metadata/properties"/>
-    <ds:schemaRef ds:uri="http://purl.org/dc/terms/"/>
-    <ds:schemaRef ds:uri="609867d6-2629-4535-86dd-ac3b97a3ffd8"/>
-    <ds:schemaRef ds:uri="http://schemas.microsoft.com/office/infopath/2007/PartnerControls"/>
-    <ds:schemaRef ds:uri="49eab711-90d1-4c0f-9775-bfb7f5e5a799"/>
-  </ds:schemaRefs>
-</ds:datastoreItem>
 </file>